--- a/Gestão do Projeto/Planejamento/PropostaISP24-26.pptx
+++ b/Gestão do Projeto/Planejamento/PropostaISP24-26.pptx
@@ -8,6 +8,11 @@
     <p:sldId id="256" r:id="rId2"/>
     <p:sldId id="257" r:id="rId3"/>
     <p:sldId id="258" r:id="rId4"/>
+    <p:sldId id="259" r:id="rId5"/>
+    <p:sldId id="260" r:id="rId6"/>
+    <p:sldId id="261" r:id="rId7"/>
+    <p:sldId id="262" r:id="rId8"/>
+    <p:sldId id="263" r:id="rId9"/>
   </p:sldIdLst>
   <p:sldSz cx="12192000" cy="6858000"/>
   <p:notesSz cx="6858000" cy="9144000"/>
@@ -106,6 +111,11 @@
       </a:defRPr>
     </a:lvl9pPr>
   </p:defaultTextStyle>
+  <p:extLst>
+    <p:ext uri="{EFAFB233-063F-42B5-8137-9DF3F51BA10A}">
+      <p15:sldGuideLst xmlns:p15="http://schemas.microsoft.com/office/powerpoint/2012/main"/>
+    </p:ext>
+  </p:extLst>
 </p:presentation>
 </file>
 
@@ -240,7 +250,7 @@
           <a:p>
             <a:fld id="{C764DE79-268F-4C1A-8933-263129D2AF90}" type="datetimeFigureOut">
               <a:rPr lang="en-US" dirty="0"/>
-              <a:t>9/26/23</a:t>
+              <a:t>9/29/23</a:t>
             </a:fld>
             <a:endParaRPr lang="en-US" dirty="0"/>
           </a:p>
@@ -405,7 +415,7 @@
           <a:p>
             <a:fld id="{C764DE79-268F-4C1A-8933-263129D2AF90}" type="datetimeFigureOut">
               <a:rPr lang="en-US" dirty="0"/>
-              <a:t>9/26/23</a:t>
+              <a:t>9/29/23</a:t>
             </a:fld>
             <a:endParaRPr lang="en-US" dirty="0"/>
           </a:p>
@@ -580,7 +590,7 @@
           <a:p>
             <a:fld id="{C764DE79-268F-4C1A-8933-263129D2AF90}" type="datetimeFigureOut">
               <a:rPr lang="en-US" dirty="0"/>
-              <a:t>9/26/23</a:t>
+              <a:t>9/29/23</a:t>
             </a:fld>
             <a:endParaRPr lang="en-US" dirty="0"/>
           </a:p>
@@ -745,7 +755,7 @@
           <a:p>
             <a:fld id="{C764DE79-268F-4C1A-8933-263129D2AF90}" type="datetimeFigureOut">
               <a:rPr lang="en-US" dirty="0"/>
-              <a:t>9/26/23</a:t>
+              <a:t>9/29/23</a:t>
             </a:fld>
             <a:endParaRPr lang="en-US" dirty="0"/>
           </a:p>
@@ -986,7 +996,7 @@
           <a:p>
             <a:fld id="{C764DE79-268F-4C1A-8933-263129D2AF90}" type="datetimeFigureOut">
               <a:rPr lang="en-US" dirty="0"/>
-              <a:t>9/26/23</a:t>
+              <a:t>9/29/23</a:t>
             </a:fld>
             <a:endParaRPr lang="en-US" dirty="0"/>
           </a:p>
@@ -1213,7 +1223,7 @@
           <a:p>
             <a:fld id="{C764DE79-268F-4C1A-8933-263129D2AF90}" type="datetimeFigureOut">
               <a:rPr lang="en-US" dirty="0"/>
-              <a:t>9/26/23</a:t>
+              <a:t>9/29/23</a:t>
             </a:fld>
             <a:endParaRPr lang="en-US" dirty="0"/>
           </a:p>
@@ -1575,7 +1585,7 @@
           <a:p>
             <a:fld id="{C764DE79-268F-4C1A-8933-263129D2AF90}" type="datetimeFigureOut">
               <a:rPr lang="en-US" dirty="0"/>
-              <a:t>9/26/23</a:t>
+              <a:t>9/29/23</a:t>
             </a:fld>
             <a:endParaRPr lang="en-US" dirty="0"/>
           </a:p>
@@ -1688,7 +1698,7 @@
           <a:p>
             <a:fld id="{C764DE79-268F-4C1A-8933-263129D2AF90}" type="datetimeFigureOut">
               <a:rPr lang="en-US" dirty="0"/>
-              <a:t>9/26/23</a:t>
+              <a:t>9/29/23</a:t>
             </a:fld>
             <a:endParaRPr lang="en-US" dirty="0"/>
           </a:p>
@@ -1778,7 +1788,7 @@
           <a:p>
             <a:fld id="{C764DE79-268F-4C1A-8933-263129D2AF90}" type="datetimeFigureOut">
               <a:rPr lang="en-US" dirty="0"/>
-              <a:t>9/26/23</a:t>
+              <a:t>9/29/23</a:t>
             </a:fld>
             <a:endParaRPr lang="en-US" dirty="0"/>
           </a:p>
@@ -2050,7 +2060,7 @@
           <a:p>
             <a:fld id="{C764DE79-268F-4C1A-8933-263129D2AF90}" type="datetimeFigureOut">
               <a:rPr lang="en-US" dirty="0"/>
-              <a:t>9/26/23</a:t>
+              <a:t>9/29/23</a:t>
             </a:fld>
             <a:endParaRPr lang="en-US" dirty="0"/>
           </a:p>
@@ -2302,7 +2312,7 @@
           <a:p>
             <a:fld id="{C764DE79-268F-4C1A-8933-263129D2AF90}" type="datetimeFigureOut">
               <a:rPr lang="en-US" dirty="0"/>
-              <a:t>9/26/23</a:t>
+              <a:t>9/29/23</a:t>
             </a:fld>
             <a:endParaRPr lang="en-US" dirty="0"/>
           </a:p>
@@ -2510,7 +2520,7 @@
           <a:p>
             <a:fld id="{C764DE79-268F-4C1A-8933-263129D2AF90}" type="datetimeFigureOut">
               <a:rPr lang="en-US" dirty="0"/>
-              <a:t>9/26/23</a:t>
+              <a:t>9/29/23</a:t>
             </a:fld>
             <a:endParaRPr lang="en-US" dirty="0"/>
           </a:p>
@@ -3099,7 +3109,7 @@
                 <a:ea typeface="Calibri" panose="020F0502020204030204" pitchFamily="34" charset="0"/>
                 <a:cs typeface="Arial" panose="020B0604020202020204" pitchFamily="34" charset="0"/>
               </a:rPr>
-              <a:t>Promover ambiente de interconectividade de informação em saúde, por meio do desenvolvimento de Sumário internacional do paciente (IPS) com todos os seus componentes  em consonância e a fim de apoiar a implantação da </a:t>
+              <a:t>Promover ambiente de interconectividade de informação em saúde, por meio do desenvolvimento de Sumário internacional do paciente (IPS) com todos os seus componentes  em consonância e a fim de apoiar a implantação da</a:t>
             </a:r>
             <a:r>
               <a:rPr lang="pt-BR" sz="1800" dirty="0">
@@ -3111,7 +3121,7 @@
                 <a:ea typeface="Calibri" panose="020F0502020204030204" pitchFamily="34" charset="0"/>
                 <a:cs typeface="Arial" panose="020B0604020202020204" pitchFamily="34" charset="0"/>
               </a:rPr>
-              <a:t>Estratégia de Saúde Digital para o Brasil. </a:t>
+              <a:t>. </a:t>
             </a:r>
             <a:r>
               <a:rPr lang="en-US" sz="1800" dirty="0">
@@ -3124,6 +3134,30 @@
                 <a:cs typeface="Arial" panose="020B0604020202020204" pitchFamily="34" charset="0"/>
               </a:rPr>
               <a:t> </a:t>
+            </a:r>
+            <a:r>
+              <a:rPr lang="en-US" sz="1800" dirty="0" err="1">
+                <a:effectLst/>
+                <a:highlight>
+                  <a:srgbClr val="FFFF00"/>
+                </a:highlight>
+                <a:latin typeface="Calibri" panose="020F0502020204030204" pitchFamily="34" charset="0"/>
+                <a:ea typeface="Calibri" panose="020F0502020204030204" pitchFamily="34" charset="0"/>
+                <a:cs typeface="Arial" panose="020B0604020202020204" pitchFamily="34" charset="0"/>
+              </a:rPr>
+              <a:t>Programa</a:t>
+            </a:r>
+            <a:r>
+              <a:rPr lang="en-US" sz="1800" dirty="0">
+                <a:effectLst/>
+                <a:highlight>
+                  <a:srgbClr val="FFFF00"/>
+                </a:highlight>
+                <a:latin typeface="Calibri" panose="020F0502020204030204" pitchFamily="34" charset="0"/>
+                <a:ea typeface="Calibri" panose="020F0502020204030204" pitchFamily="34" charset="0"/>
+                <a:cs typeface="Arial" panose="020B0604020202020204" pitchFamily="34" charset="0"/>
+              </a:rPr>
+              <a:t> SUS DIGITAL </a:t>
             </a:r>
             <a:endParaRPr lang="en-BR" sz="1800" dirty="0">
               <a:effectLst/>
@@ -3744,7 +3778,7 @@
         </p:spPr>
         <p:txBody>
           <a:bodyPr>
-            <a:normAutofit fontScale="85000" lnSpcReduction="20000"/>
+            <a:normAutofit fontScale="77500" lnSpcReduction="20000"/>
           </a:bodyPr>
           <a:lstStyle/>
           <a:p>
@@ -3760,7 +3794,7 @@
                 <a:ea typeface="Arial" panose="020B0604020202020204" pitchFamily="34" charset="0"/>
                 <a:cs typeface="Calibri" panose="020F0502020204030204" pitchFamily="34" charset="0"/>
               </a:rPr>
-              <a:t>Incluir no repositório semântico, ou seja, carregar no serviço de terminologia  todas as terminologias dos componentes de Procedimentos, Sinais Vitais, Dispositivos médicos,  Sinais Vitais, História Pregressa, Dados Obstétricos,  História Social, Status Funcional,   Diretivas Antecipadas de Vontade, bem como as terminologias utilizadas no Sumário Internacional do Paciente (IPS – </a:t>
+              <a:t>Incluir no repositório semântico, ou seja, carregar no serviço de terminologia  todas as terminologias locais dos componentes de Procedimentos, Sinais Vitais,,  Sinais Vitais, História Pregressa, Dados Obstétricos,  História Social, Status Funcional,   Diretivas Antecipadas de Vontade, bem como as terminologias utilizadas no Sumário Internacional do Paciente (IPS – </a:t>
             </a:r>
             <a:r>
               <a:rPr lang="pt-BR" sz="1800" i="1" dirty="0" err="1">
@@ -3808,20 +3842,32 @@
               <a:t>Summary</a:t>
             </a:r>
             <a:r>
-              <a:rPr lang="pt-BR" sz="1800">
+              <a:rPr lang="pt-BR" sz="1800" dirty="0">
                 <a:effectLst/>
                 <a:latin typeface="Calibri" panose="020F0502020204030204" pitchFamily="34" charset="0"/>
                 <a:ea typeface="Arial" panose="020B0604020202020204" pitchFamily="34" charset="0"/>
                 <a:cs typeface="Calibri" panose="020F0502020204030204" pitchFamily="34" charset="0"/>
               </a:rPr>
-              <a:t>);</a:t>
-            </a:r>
-            <a:endParaRPr lang="pt-BR" sz="1800" dirty="0">
-              <a:effectLst/>
-              <a:latin typeface="Calibri" panose="020F0502020204030204" pitchFamily="34" charset="0"/>
-              <a:ea typeface="Arial" panose="020B0604020202020204" pitchFamily="34" charset="0"/>
-              <a:cs typeface="Calibri" panose="020F0502020204030204" pitchFamily="34" charset="0"/>
-            </a:endParaRPr>
+              <a:t>); Alergias/Reações Adversas, </a:t>
+            </a:r>
+            <a:r>
+              <a:rPr lang="pt-BR" sz="1800" dirty="0" err="1">
+                <a:effectLst/>
+                <a:latin typeface="Calibri" panose="020F0502020204030204" pitchFamily="34" charset="0"/>
+                <a:ea typeface="Arial" panose="020B0604020202020204" pitchFamily="34" charset="0"/>
+                <a:cs typeface="Calibri" panose="020F0502020204030204" pitchFamily="34" charset="0"/>
+              </a:rPr>
+              <a:t>Condition</a:t>
+            </a:r>
+            <a:r>
+              <a:rPr lang="pt-BR" sz="1800" dirty="0">
+                <a:effectLst/>
+                <a:latin typeface="Calibri" panose="020F0502020204030204" pitchFamily="34" charset="0"/>
+                <a:ea typeface="Arial" panose="020B0604020202020204" pitchFamily="34" charset="0"/>
+                <a:cs typeface="Calibri" panose="020F0502020204030204" pitchFamily="34" charset="0"/>
+              </a:rPr>
+              <a:t> utilizando SNOMED</a:t>
+            </a:r>
           </a:p>
           <a:p>
             <a:pPr>
@@ -3894,119 +3940,7 @@
                 <a:ea typeface="Arial" panose="020B0604020202020204" pitchFamily="34" charset="0"/>
                 <a:cs typeface="Calibri" panose="020F0502020204030204" pitchFamily="34" charset="0"/>
               </a:rPr>
-              <a:t>Especificar </a:t>
-            </a:r>
-            <a:r>
-              <a:rPr lang="en-US" sz="1800" dirty="0" err="1">
-                <a:latin typeface="Calibri" panose="020F0502020204030204" pitchFamily="34" charset="0"/>
-                <a:ea typeface="Arial" panose="020B0604020202020204" pitchFamily="34" charset="0"/>
-                <a:cs typeface="Calibri" panose="020F0502020204030204" pitchFamily="34" charset="0"/>
-              </a:rPr>
-              <a:t>os</a:t>
-            </a:r>
-            <a:r>
-              <a:rPr lang="en-US" sz="1800" dirty="0">
-                <a:latin typeface="Calibri" panose="020F0502020204030204" pitchFamily="34" charset="0"/>
-                <a:ea typeface="Arial" panose="020B0604020202020204" pitchFamily="34" charset="0"/>
-                <a:cs typeface="Calibri" panose="020F0502020204030204" pitchFamily="34" charset="0"/>
-              </a:rPr>
-              <a:t> </a:t>
-            </a:r>
-            <a:r>
-              <a:rPr lang="en-US" sz="1800" dirty="0" err="1">
-                <a:latin typeface="Calibri" panose="020F0502020204030204" pitchFamily="34" charset="0"/>
-                <a:ea typeface="Arial" panose="020B0604020202020204" pitchFamily="34" charset="0"/>
-                <a:cs typeface="Calibri" panose="020F0502020204030204" pitchFamily="34" charset="0"/>
-              </a:rPr>
-              <a:t>casos</a:t>
-            </a:r>
-            <a:r>
-              <a:rPr lang="en-US" sz="1800" dirty="0">
-                <a:latin typeface="Calibri" panose="020F0502020204030204" pitchFamily="34" charset="0"/>
-                <a:ea typeface="Arial" panose="020B0604020202020204" pitchFamily="34" charset="0"/>
-                <a:cs typeface="Calibri" panose="020F0502020204030204" pitchFamily="34" charset="0"/>
-              </a:rPr>
-              <a:t> de </a:t>
-            </a:r>
-            <a:r>
-              <a:rPr lang="en-US" sz="1800" dirty="0" err="1">
-                <a:latin typeface="Calibri" panose="020F0502020204030204" pitchFamily="34" charset="0"/>
-                <a:ea typeface="Arial" panose="020B0604020202020204" pitchFamily="34" charset="0"/>
-                <a:cs typeface="Calibri" panose="020F0502020204030204" pitchFamily="34" charset="0"/>
-              </a:rPr>
-              <a:t>uso</a:t>
-            </a:r>
-            <a:r>
-              <a:rPr lang="en-US" sz="1800" dirty="0">
-                <a:latin typeface="Calibri" panose="020F0502020204030204" pitchFamily="34" charset="0"/>
-                <a:ea typeface="Arial" panose="020B0604020202020204" pitchFamily="34" charset="0"/>
-                <a:cs typeface="Calibri" panose="020F0502020204030204" pitchFamily="34" charset="0"/>
-              </a:rPr>
-              <a:t> para coleta das </a:t>
-            </a:r>
-            <a:r>
-              <a:rPr lang="en-US" sz="1800" dirty="0" err="1">
-                <a:latin typeface="Calibri" panose="020F0502020204030204" pitchFamily="34" charset="0"/>
-                <a:ea typeface="Arial" panose="020B0604020202020204" pitchFamily="34" charset="0"/>
-                <a:cs typeface="Calibri" panose="020F0502020204030204" pitchFamily="34" charset="0"/>
-              </a:rPr>
-              <a:t>informações</a:t>
-            </a:r>
-            <a:r>
-              <a:rPr lang="en-US" sz="1800" dirty="0">
-                <a:latin typeface="Calibri" panose="020F0502020204030204" pitchFamily="34" charset="0"/>
-                <a:ea typeface="Arial" panose="020B0604020202020204" pitchFamily="34" charset="0"/>
-                <a:cs typeface="Calibri" panose="020F0502020204030204" pitchFamily="34" charset="0"/>
-              </a:rPr>
-              <a:t> </a:t>
-            </a:r>
-            <a:r>
-              <a:rPr lang="en-US" sz="1800" dirty="0" err="1">
-                <a:latin typeface="Calibri" panose="020F0502020204030204" pitchFamily="34" charset="0"/>
-                <a:ea typeface="Arial" panose="020B0604020202020204" pitchFamily="34" charset="0"/>
-                <a:cs typeface="Calibri" panose="020F0502020204030204" pitchFamily="34" charset="0"/>
-              </a:rPr>
-              <a:t>adicionais</a:t>
-            </a:r>
-            <a:r>
-              <a:rPr lang="en-US" sz="1800" dirty="0">
-                <a:latin typeface="Calibri" panose="020F0502020204030204" pitchFamily="34" charset="0"/>
-                <a:ea typeface="Arial" panose="020B0604020202020204" pitchFamily="34" charset="0"/>
-                <a:cs typeface="Calibri" panose="020F0502020204030204" pitchFamily="34" charset="0"/>
-              </a:rPr>
-              <a:t> do IPS  (com </a:t>
-            </a:r>
-            <a:r>
-              <a:rPr lang="en-US" sz="1800" dirty="0" err="1">
-                <a:latin typeface="Calibri" panose="020F0502020204030204" pitchFamily="34" charset="0"/>
-                <a:ea typeface="Arial" panose="020B0604020202020204" pitchFamily="34" charset="0"/>
-                <a:cs typeface="Calibri" panose="020F0502020204030204" pitchFamily="34" charset="0"/>
-              </a:rPr>
-              <a:t>foco</a:t>
-            </a:r>
-            <a:r>
-              <a:rPr lang="en-US" sz="1800" dirty="0">
-                <a:latin typeface="Calibri" panose="020F0502020204030204" pitchFamily="34" charset="0"/>
-                <a:ea typeface="Arial" panose="020B0604020202020204" pitchFamily="34" charset="0"/>
-                <a:cs typeface="Calibri" panose="020F0502020204030204" pitchFamily="34" charset="0"/>
-              </a:rPr>
-              <a:t> no </a:t>
-            </a:r>
-            <a:r>
-              <a:rPr lang="en-US" sz="1800" dirty="0" err="1">
-                <a:latin typeface="Calibri" panose="020F0502020204030204" pitchFamily="34" charset="0"/>
-                <a:ea typeface="Arial" panose="020B0604020202020204" pitchFamily="34" charset="0"/>
-                <a:cs typeface="Calibri" panose="020F0502020204030204" pitchFamily="34" charset="0"/>
-              </a:rPr>
-              <a:t>paciente</a:t>
-            </a:r>
-            <a:r>
-              <a:rPr lang="en-US" sz="1800" dirty="0">
-                <a:latin typeface="Calibri" panose="020F0502020204030204" pitchFamily="34" charset="0"/>
-                <a:ea typeface="Arial" panose="020B0604020202020204" pitchFamily="34" charset="0"/>
-                <a:cs typeface="Calibri" panose="020F0502020204030204" pitchFamily="34" charset="0"/>
-              </a:rPr>
-              <a:t> )</a:t>
+              <a:t>Submissão do projeto de nacionalização do eixo de  procedimentos – mapear para SIGTAP</a:t>
             </a:r>
           </a:p>
           <a:p>
@@ -4016,12 +3950,20 @@
               </a:lnSpc>
             </a:pPr>
             <a:r>
+              <a:rPr lang="pt-BR" sz="1800" dirty="0">
+                <a:latin typeface="Calibri" panose="020F0502020204030204" pitchFamily="34" charset="0"/>
+                <a:ea typeface="Arial" panose="020B0604020202020204" pitchFamily="34" charset="0"/>
+                <a:cs typeface="Calibri" panose="020F0502020204030204" pitchFamily="34" charset="0"/>
+              </a:rPr>
+              <a:t>Especificar </a:t>
+            </a:r>
+            <a:r>
               <a:rPr lang="en-US" sz="1800" dirty="0" err="1">
                 <a:latin typeface="Calibri" panose="020F0502020204030204" pitchFamily="34" charset="0"/>
                 <a:ea typeface="Arial" panose="020B0604020202020204" pitchFamily="34" charset="0"/>
                 <a:cs typeface="Calibri" panose="020F0502020204030204" pitchFamily="34" charset="0"/>
               </a:rPr>
-              <a:t>Definir</a:t>
+              <a:t>os</a:t>
             </a:r>
             <a:r>
               <a:rPr lang="en-US" sz="1800" dirty="0">
@@ -4037,7 +3979,7 @@
                 <a:ea typeface="Arial" panose="020B0604020202020204" pitchFamily="34" charset="0"/>
                 <a:cs typeface="Calibri" panose="020F0502020204030204" pitchFamily="34" charset="0"/>
               </a:rPr>
-              <a:t>em</a:t>
+              <a:t>casos</a:t>
             </a:r>
             <a:r>
               <a:rPr lang="en-US" sz="1800" dirty="0">
@@ -4045,7 +3987,7 @@
                 <a:ea typeface="Arial" panose="020B0604020202020204" pitchFamily="34" charset="0"/>
                 <a:cs typeface="Calibri" panose="020F0502020204030204" pitchFamily="34" charset="0"/>
               </a:rPr>
-              <a:t> conjunto com o MS o conjunto de </a:t>
+              <a:t> de </a:t>
             </a:r>
             <a:r>
               <a:rPr lang="en-US" sz="1800" dirty="0" err="1">
@@ -4053,7 +3995,7 @@
                 <a:ea typeface="Arial" panose="020B0604020202020204" pitchFamily="34" charset="0"/>
                 <a:cs typeface="Calibri" panose="020F0502020204030204" pitchFamily="34" charset="0"/>
               </a:rPr>
-              <a:t>referência</a:t>
+              <a:t>uso</a:t>
             </a:r>
             <a:r>
               <a:rPr lang="en-US" sz="1800" dirty="0">
@@ -4061,7 +4003,7 @@
                 <a:ea typeface="Arial" panose="020B0604020202020204" pitchFamily="34" charset="0"/>
                 <a:cs typeface="Calibri" panose="020F0502020204030204" pitchFamily="34" charset="0"/>
               </a:rPr>
-              <a:t> da </a:t>
+              <a:t> para coleta das </a:t>
             </a:r>
             <a:r>
               <a:rPr lang="en-US" sz="1800" dirty="0" err="1">
@@ -4069,7 +4011,7 @@
                 <a:ea typeface="Arial" panose="020B0604020202020204" pitchFamily="34" charset="0"/>
                 <a:cs typeface="Calibri" panose="020F0502020204030204" pitchFamily="34" charset="0"/>
               </a:rPr>
-              <a:t>terminologia</a:t>
+              <a:t>informações</a:t>
             </a:r>
             <a:r>
               <a:rPr lang="en-US" sz="1800" dirty="0">
@@ -4077,7 +4019,7 @@
                 <a:ea typeface="Arial" panose="020B0604020202020204" pitchFamily="34" charset="0"/>
                 <a:cs typeface="Calibri" panose="020F0502020204030204" pitchFamily="34" charset="0"/>
               </a:rPr>
-              <a:t> SNOMED-CT para o </a:t>
+              <a:t> </a:t>
             </a:r>
             <a:r>
               <a:rPr lang="en-US" sz="1800" dirty="0" err="1">
@@ -4085,7 +4027,7 @@
                 <a:ea typeface="Arial" panose="020B0604020202020204" pitchFamily="34" charset="0"/>
                 <a:cs typeface="Calibri" panose="020F0502020204030204" pitchFamily="34" charset="0"/>
               </a:rPr>
-              <a:t>eixo</a:t>
+              <a:t>adicionais</a:t>
             </a:r>
             <a:r>
               <a:rPr lang="en-US" sz="1800" dirty="0">
@@ -4093,6 +4035,54 @@
                 <a:ea typeface="Arial" panose="020B0604020202020204" pitchFamily="34" charset="0"/>
                 <a:cs typeface="Calibri" panose="020F0502020204030204" pitchFamily="34" charset="0"/>
               </a:rPr>
+              <a:t> do IPS  (com </a:t>
+            </a:r>
+            <a:r>
+              <a:rPr lang="en-US" sz="1800" dirty="0" err="1">
+                <a:latin typeface="Calibri" panose="020F0502020204030204" pitchFamily="34" charset="0"/>
+                <a:ea typeface="Arial" panose="020B0604020202020204" pitchFamily="34" charset="0"/>
+                <a:cs typeface="Calibri" panose="020F0502020204030204" pitchFamily="34" charset="0"/>
+              </a:rPr>
+              <a:t>foco</a:t>
+            </a:r>
+            <a:r>
+              <a:rPr lang="en-US" sz="1800" dirty="0">
+                <a:latin typeface="Calibri" panose="020F0502020204030204" pitchFamily="34" charset="0"/>
+                <a:ea typeface="Arial" panose="020B0604020202020204" pitchFamily="34" charset="0"/>
+                <a:cs typeface="Calibri" panose="020F0502020204030204" pitchFamily="34" charset="0"/>
+              </a:rPr>
+              <a:t> no </a:t>
+            </a:r>
+            <a:r>
+              <a:rPr lang="en-US" sz="1800" dirty="0" err="1">
+                <a:latin typeface="Calibri" panose="020F0502020204030204" pitchFamily="34" charset="0"/>
+                <a:ea typeface="Arial" panose="020B0604020202020204" pitchFamily="34" charset="0"/>
+                <a:cs typeface="Calibri" panose="020F0502020204030204" pitchFamily="34" charset="0"/>
+              </a:rPr>
+              <a:t>paciente</a:t>
+            </a:r>
+            <a:r>
+              <a:rPr lang="en-US" sz="1800" dirty="0">
+                <a:latin typeface="Calibri" panose="020F0502020204030204" pitchFamily="34" charset="0"/>
+                <a:ea typeface="Arial" panose="020B0604020202020204" pitchFamily="34" charset="0"/>
+                <a:cs typeface="Calibri" panose="020F0502020204030204" pitchFamily="34" charset="0"/>
+              </a:rPr>
+              <a:t> )   - </a:t>
+            </a:r>
+            <a:r>
+              <a:rPr lang="en-US" sz="1800" dirty="0" err="1">
+                <a:latin typeface="Calibri" panose="020F0502020204030204" pitchFamily="34" charset="0"/>
+                <a:ea typeface="Arial" panose="020B0604020202020204" pitchFamily="34" charset="0"/>
+                <a:cs typeface="Calibri" panose="020F0502020204030204" pitchFamily="34" charset="0"/>
+              </a:rPr>
+              <a:t>Eixo</a:t>
+            </a:r>
+            <a:r>
+              <a:rPr lang="en-US" sz="1800" dirty="0">
+                <a:latin typeface="Calibri" panose="020F0502020204030204" pitchFamily="34" charset="0"/>
+                <a:ea typeface="Arial" panose="020B0604020202020204" pitchFamily="34" charset="0"/>
+                <a:cs typeface="Calibri" panose="020F0502020204030204" pitchFamily="34" charset="0"/>
+              </a:rPr>
               <a:t> de </a:t>
             </a:r>
             <a:r>
@@ -4101,7 +4091,7 @@
                 <a:ea typeface="Arial" panose="020B0604020202020204" pitchFamily="34" charset="0"/>
                 <a:cs typeface="Calibri" panose="020F0502020204030204" pitchFamily="34" charset="0"/>
               </a:rPr>
-              <a:t>Procedimentos</a:t>
+              <a:t>procedimentos</a:t>
             </a:r>
             <a:r>
               <a:rPr lang="en-US" sz="1800" dirty="0">
@@ -4109,87 +4099,7 @@
                 <a:ea typeface="Arial" panose="020B0604020202020204" pitchFamily="34" charset="0"/>
                 <a:cs typeface="Calibri" panose="020F0502020204030204" pitchFamily="34" charset="0"/>
               </a:rPr>
-              <a:t>   e </a:t>
-            </a:r>
-            <a:r>
-              <a:rPr lang="en-US" sz="1800" dirty="0" err="1">
-                <a:latin typeface="Calibri" panose="020F0502020204030204" pitchFamily="34" charset="0"/>
-                <a:ea typeface="Arial" panose="020B0604020202020204" pitchFamily="34" charset="0"/>
-                <a:cs typeface="Calibri" panose="020F0502020204030204" pitchFamily="34" charset="0"/>
-              </a:rPr>
-              <a:t>especificar</a:t>
-            </a:r>
-            <a:r>
-              <a:rPr lang="en-US" sz="1800" dirty="0">
-                <a:latin typeface="Calibri" panose="020F0502020204030204" pitchFamily="34" charset="0"/>
-                <a:ea typeface="Arial" panose="020B0604020202020204" pitchFamily="34" charset="0"/>
-                <a:cs typeface="Calibri" panose="020F0502020204030204" pitchFamily="34" charset="0"/>
-              </a:rPr>
-              <a:t> a </a:t>
-            </a:r>
-            <a:r>
-              <a:rPr lang="en-US" sz="1800" dirty="0" err="1">
-                <a:latin typeface="Calibri" panose="020F0502020204030204" pitchFamily="34" charset="0"/>
-                <a:ea typeface="Arial" panose="020B0604020202020204" pitchFamily="34" charset="0"/>
-                <a:cs typeface="Calibri" panose="020F0502020204030204" pitchFamily="34" charset="0"/>
-              </a:rPr>
-              <a:t>governança</a:t>
-            </a:r>
-            <a:r>
-              <a:rPr lang="en-US" sz="1800" dirty="0">
-                <a:latin typeface="Calibri" panose="020F0502020204030204" pitchFamily="34" charset="0"/>
-                <a:ea typeface="Arial" panose="020B0604020202020204" pitchFamily="34" charset="0"/>
-                <a:cs typeface="Calibri" panose="020F0502020204030204" pitchFamily="34" charset="0"/>
-              </a:rPr>
-              <a:t>  a infra-estrutura para </a:t>
-            </a:r>
-            <a:r>
-              <a:rPr lang="en-US" sz="1800" dirty="0" err="1">
-                <a:latin typeface="Calibri" panose="020F0502020204030204" pitchFamily="34" charset="0"/>
-                <a:ea typeface="Arial" panose="020B0604020202020204" pitchFamily="34" charset="0"/>
-                <a:cs typeface="Calibri" panose="020F0502020204030204" pitchFamily="34" charset="0"/>
-              </a:rPr>
-              <a:t>sua</a:t>
-            </a:r>
-            <a:r>
-              <a:rPr lang="en-US" sz="1800" dirty="0">
-                <a:latin typeface="Calibri" panose="020F0502020204030204" pitchFamily="34" charset="0"/>
-                <a:ea typeface="Arial" panose="020B0604020202020204" pitchFamily="34" charset="0"/>
-                <a:cs typeface="Calibri" panose="020F0502020204030204" pitchFamily="34" charset="0"/>
-              </a:rPr>
-              <a:t> </a:t>
-            </a:r>
-            <a:r>
-              <a:rPr lang="en-US" sz="1800" dirty="0" err="1">
-                <a:latin typeface="Calibri" panose="020F0502020204030204" pitchFamily="34" charset="0"/>
-                <a:ea typeface="Arial" panose="020B0604020202020204" pitchFamily="34" charset="0"/>
-                <a:cs typeface="Calibri" panose="020F0502020204030204" pitchFamily="34" charset="0"/>
-              </a:rPr>
-              <a:t>distribuição</a:t>
-            </a:r>
-            <a:r>
-              <a:rPr lang="en-US" sz="1800" dirty="0">
-                <a:latin typeface="Calibri" panose="020F0502020204030204" pitchFamily="34" charset="0"/>
-                <a:ea typeface="Arial" panose="020B0604020202020204" pitchFamily="34" charset="0"/>
-                <a:cs typeface="Calibri" panose="020F0502020204030204" pitchFamily="34" charset="0"/>
-              </a:rPr>
-              <a:t> </a:t>
-            </a:r>
-            <a:r>
-              <a:rPr lang="en-US" sz="1800" dirty="0" err="1">
-                <a:latin typeface="Calibri" panose="020F0502020204030204" pitchFamily="34" charset="0"/>
-                <a:ea typeface="Arial" panose="020B0604020202020204" pitchFamily="34" charset="0"/>
-                <a:cs typeface="Calibri" panose="020F0502020204030204" pitchFamily="34" charset="0"/>
-              </a:rPr>
-              <a:t>pelo</a:t>
-            </a:r>
-            <a:r>
-              <a:rPr lang="en-US" sz="1800" dirty="0">
-                <a:latin typeface="Calibri" panose="020F0502020204030204" pitchFamily="34" charset="0"/>
-                <a:ea typeface="Arial" panose="020B0604020202020204" pitchFamily="34" charset="0"/>
-                <a:cs typeface="Calibri" panose="020F0502020204030204" pitchFamily="34" charset="0"/>
-              </a:rPr>
-              <a:t> MS  </a:t>
+              <a:t> do SNOMED</a:t>
             </a:r>
           </a:p>
           <a:p>
@@ -4204,7 +4114,7 @@
                 <a:ea typeface="Arial" panose="020B0604020202020204" pitchFamily="34" charset="0"/>
                 <a:cs typeface="Calibri" panose="020F0502020204030204" pitchFamily="34" charset="0"/>
               </a:rPr>
-              <a:t>Mapeamento</a:t>
+              <a:t>Definir</a:t>
             </a:r>
             <a:r>
               <a:rPr lang="en-US" sz="1800" dirty="0">
@@ -4212,7 +4122,7 @@
                 <a:ea typeface="Arial" panose="020B0604020202020204" pitchFamily="34" charset="0"/>
                 <a:cs typeface="Calibri" panose="020F0502020204030204" pitchFamily="34" charset="0"/>
               </a:rPr>
-              <a:t> OBM – SNOMED  - </a:t>
+              <a:t> </a:t>
             </a:r>
             <a:r>
               <a:rPr lang="en-US" sz="1800" dirty="0" err="1">
@@ -4220,7 +4130,7 @@
                 <a:ea typeface="Arial" panose="020B0604020202020204" pitchFamily="34" charset="0"/>
                 <a:cs typeface="Calibri" panose="020F0502020204030204" pitchFamily="34" charset="0"/>
               </a:rPr>
-              <a:t>Especificar</a:t>
+              <a:t>em</a:t>
             </a:r>
             <a:r>
               <a:rPr lang="en-US" sz="1800" dirty="0">
@@ -4228,6 +4138,86 @@
                 <a:ea typeface="Arial" panose="020B0604020202020204" pitchFamily="34" charset="0"/>
                 <a:cs typeface="Calibri" panose="020F0502020204030204" pitchFamily="34" charset="0"/>
               </a:rPr>
+              <a:t> conjunto com o MS o conjunto de </a:t>
+            </a:r>
+            <a:r>
+              <a:rPr lang="en-US" sz="1800" dirty="0" err="1">
+                <a:latin typeface="Calibri" panose="020F0502020204030204" pitchFamily="34" charset="0"/>
+                <a:ea typeface="Arial" panose="020B0604020202020204" pitchFamily="34" charset="0"/>
+                <a:cs typeface="Calibri" panose="020F0502020204030204" pitchFamily="34" charset="0"/>
+              </a:rPr>
+              <a:t>referência</a:t>
+            </a:r>
+            <a:r>
+              <a:rPr lang="en-US" sz="1800" dirty="0">
+                <a:latin typeface="Calibri" panose="020F0502020204030204" pitchFamily="34" charset="0"/>
+                <a:ea typeface="Arial" panose="020B0604020202020204" pitchFamily="34" charset="0"/>
+                <a:cs typeface="Calibri" panose="020F0502020204030204" pitchFamily="34" charset="0"/>
+              </a:rPr>
+              <a:t> da </a:t>
+            </a:r>
+            <a:r>
+              <a:rPr lang="en-US" sz="1800" dirty="0" err="1">
+                <a:latin typeface="Calibri" panose="020F0502020204030204" pitchFamily="34" charset="0"/>
+                <a:ea typeface="Arial" panose="020B0604020202020204" pitchFamily="34" charset="0"/>
+                <a:cs typeface="Calibri" panose="020F0502020204030204" pitchFamily="34" charset="0"/>
+              </a:rPr>
+              <a:t>terminologia</a:t>
+            </a:r>
+            <a:r>
+              <a:rPr lang="en-US" sz="1800" dirty="0">
+                <a:latin typeface="Calibri" panose="020F0502020204030204" pitchFamily="34" charset="0"/>
+                <a:ea typeface="Arial" panose="020B0604020202020204" pitchFamily="34" charset="0"/>
+                <a:cs typeface="Calibri" panose="020F0502020204030204" pitchFamily="34" charset="0"/>
+              </a:rPr>
+              <a:t> SNOMED-CT para o </a:t>
+            </a:r>
+            <a:r>
+              <a:rPr lang="en-US" sz="1800" dirty="0" err="1">
+                <a:latin typeface="Calibri" panose="020F0502020204030204" pitchFamily="34" charset="0"/>
+                <a:ea typeface="Arial" panose="020B0604020202020204" pitchFamily="34" charset="0"/>
+                <a:cs typeface="Calibri" panose="020F0502020204030204" pitchFamily="34" charset="0"/>
+              </a:rPr>
+              <a:t>eixo</a:t>
+            </a:r>
+            <a:r>
+              <a:rPr lang="en-US" sz="1800" dirty="0">
+                <a:latin typeface="Calibri" panose="020F0502020204030204" pitchFamily="34" charset="0"/>
+                <a:ea typeface="Arial" panose="020B0604020202020204" pitchFamily="34" charset="0"/>
+                <a:cs typeface="Calibri" panose="020F0502020204030204" pitchFamily="34" charset="0"/>
+              </a:rPr>
+              <a:t> de </a:t>
+            </a:r>
+            <a:r>
+              <a:rPr lang="en-US" sz="1800" dirty="0" err="1">
+                <a:latin typeface="Calibri" panose="020F0502020204030204" pitchFamily="34" charset="0"/>
+                <a:ea typeface="Arial" panose="020B0604020202020204" pitchFamily="34" charset="0"/>
+                <a:cs typeface="Calibri" panose="020F0502020204030204" pitchFamily="34" charset="0"/>
+              </a:rPr>
+              <a:t>Procedimentos</a:t>
+            </a:r>
+            <a:r>
+              <a:rPr lang="en-US" sz="1800" dirty="0">
+                <a:latin typeface="Calibri" panose="020F0502020204030204" pitchFamily="34" charset="0"/>
+                <a:ea typeface="Arial" panose="020B0604020202020204" pitchFamily="34" charset="0"/>
+                <a:cs typeface="Calibri" panose="020F0502020204030204" pitchFamily="34" charset="0"/>
+              </a:rPr>
+              <a:t>   e </a:t>
+            </a:r>
+            <a:r>
+              <a:rPr lang="en-US" sz="1800" dirty="0" err="1">
+                <a:latin typeface="Calibri" panose="020F0502020204030204" pitchFamily="34" charset="0"/>
+                <a:ea typeface="Arial" panose="020B0604020202020204" pitchFamily="34" charset="0"/>
+                <a:cs typeface="Calibri" panose="020F0502020204030204" pitchFamily="34" charset="0"/>
+              </a:rPr>
+              <a:t>especificar</a:t>
+            </a:r>
+            <a:r>
+              <a:rPr lang="en-US" sz="1800" dirty="0">
+                <a:latin typeface="Calibri" panose="020F0502020204030204" pitchFamily="34" charset="0"/>
+                <a:ea typeface="Arial" panose="020B0604020202020204" pitchFamily="34" charset="0"/>
+                <a:cs typeface="Calibri" panose="020F0502020204030204" pitchFamily="34" charset="0"/>
+              </a:rPr>
               <a:t> a </a:t>
             </a:r>
             <a:r>
@@ -4244,7 +4234,7 @@
                 <a:ea typeface="Arial" panose="020B0604020202020204" pitchFamily="34" charset="0"/>
                 <a:cs typeface="Calibri" panose="020F0502020204030204" pitchFamily="34" charset="0"/>
               </a:rPr>
-              <a:t>, </a:t>
+              <a:t>  a infra-estrutura para </a:t>
             </a:r>
             <a:r>
               <a:rPr lang="en-US" sz="1800" dirty="0" err="1">
@@ -4252,7 +4242,7 @@
                 <a:ea typeface="Arial" panose="020B0604020202020204" pitchFamily="34" charset="0"/>
                 <a:cs typeface="Calibri" panose="020F0502020204030204" pitchFamily="34" charset="0"/>
               </a:rPr>
-              <a:t>manutenção</a:t>
+              <a:t>sua</a:t>
             </a:r>
             <a:r>
               <a:rPr lang="en-US" sz="1800" dirty="0">
@@ -4260,7 +4250,7 @@
                 <a:ea typeface="Arial" panose="020B0604020202020204" pitchFamily="34" charset="0"/>
                 <a:cs typeface="Calibri" panose="020F0502020204030204" pitchFamily="34" charset="0"/>
               </a:rPr>
-              <a:t> e </a:t>
+              <a:t> </a:t>
             </a:r>
             <a:r>
               <a:rPr lang="en-US" sz="1800" dirty="0" err="1">
@@ -4276,7 +4266,23 @@
                 <a:ea typeface="Arial" panose="020B0604020202020204" pitchFamily="34" charset="0"/>
                 <a:cs typeface="Calibri" panose="020F0502020204030204" pitchFamily="34" charset="0"/>
               </a:rPr>
-              <a:t>  da OBM</a:t>
+              <a:t> </a:t>
+            </a:r>
+            <a:r>
+              <a:rPr lang="en-US" sz="1800" dirty="0" err="1">
+                <a:latin typeface="Calibri" panose="020F0502020204030204" pitchFamily="34" charset="0"/>
+                <a:ea typeface="Arial" panose="020B0604020202020204" pitchFamily="34" charset="0"/>
+                <a:cs typeface="Calibri" panose="020F0502020204030204" pitchFamily="34" charset="0"/>
+              </a:rPr>
+              <a:t>pelo</a:t>
+            </a:r>
+            <a:r>
+              <a:rPr lang="en-US" sz="1800" dirty="0">
+                <a:latin typeface="Calibri" panose="020F0502020204030204" pitchFamily="34" charset="0"/>
+                <a:ea typeface="Arial" panose="020B0604020202020204" pitchFamily="34" charset="0"/>
+                <a:cs typeface="Calibri" panose="020F0502020204030204" pitchFamily="34" charset="0"/>
+              </a:rPr>
+              <a:t> MS  </a:t>
             </a:r>
           </a:p>
           <a:p>
@@ -4287,6 +4293,93 @@
             </a:pPr>
             <a:r>
               <a:rPr lang="en-US" sz="1800" dirty="0" err="1">
+                <a:latin typeface="Calibri" panose="020F0502020204030204" pitchFamily="34" charset="0"/>
+                <a:ea typeface="Arial" panose="020B0604020202020204" pitchFamily="34" charset="0"/>
+                <a:cs typeface="Calibri" panose="020F0502020204030204" pitchFamily="34" charset="0"/>
+              </a:rPr>
+              <a:t>Mapeamento</a:t>
+            </a:r>
+            <a:r>
+              <a:rPr lang="en-US" sz="1800" dirty="0">
+                <a:latin typeface="Calibri" panose="020F0502020204030204" pitchFamily="34" charset="0"/>
+                <a:ea typeface="Arial" panose="020B0604020202020204" pitchFamily="34" charset="0"/>
+                <a:cs typeface="Calibri" panose="020F0502020204030204" pitchFamily="34" charset="0"/>
+              </a:rPr>
+              <a:t> OBM – SNOMED  e IDMP - </a:t>
+            </a:r>
+            <a:r>
+              <a:rPr lang="en-US" sz="1800" dirty="0" err="1">
+                <a:latin typeface="Calibri" panose="020F0502020204030204" pitchFamily="34" charset="0"/>
+                <a:ea typeface="Arial" panose="020B0604020202020204" pitchFamily="34" charset="0"/>
+                <a:cs typeface="Calibri" panose="020F0502020204030204" pitchFamily="34" charset="0"/>
+              </a:rPr>
+              <a:t>Especificar</a:t>
+            </a:r>
+            <a:r>
+              <a:rPr lang="en-US" sz="1800" dirty="0">
+                <a:latin typeface="Calibri" panose="020F0502020204030204" pitchFamily="34" charset="0"/>
+                <a:ea typeface="Arial" panose="020B0604020202020204" pitchFamily="34" charset="0"/>
+                <a:cs typeface="Calibri" panose="020F0502020204030204" pitchFamily="34" charset="0"/>
+              </a:rPr>
+              <a:t> a </a:t>
+            </a:r>
+            <a:r>
+              <a:rPr lang="en-US" sz="1800" dirty="0" err="1">
+                <a:latin typeface="Calibri" panose="020F0502020204030204" pitchFamily="34" charset="0"/>
+                <a:ea typeface="Arial" panose="020B0604020202020204" pitchFamily="34" charset="0"/>
+                <a:cs typeface="Calibri" panose="020F0502020204030204" pitchFamily="34" charset="0"/>
+              </a:rPr>
+              <a:t>governança</a:t>
+            </a:r>
+            <a:r>
+              <a:rPr lang="en-US" sz="1800" dirty="0">
+                <a:latin typeface="Calibri" panose="020F0502020204030204" pitchFamily="34" charset="0"/>
+                <a:ea typeface="Arial" panose="020B0604020202020204" pitchFamily="34" charset="0"/>
+                <a:cs typeface="Calibri" panose="020F0502020204030204" pitchFamily="34" charset="0"/>
+              </a:rPr>
+              <a:t>, </a:t>
+            </a:r>
+            <a:r>
+              <a:rPr lang="en-US" sz="1800" dirty="0" err="1">
+                <a:latin typeface="Calibri" panose="020F0502020204030204" pitchFamily="34" charset="0"/>
+                <a:ea typeface="Arial" panose="020B0604020202020204" pitchFamily="34" charset="0"/>
+                <a:cs typeface="Calibri" panose="020F0502020204030204" pitchFamily="34" charset="0"/>
+              </a:rPr>
+              <a:t>manutenção</a:t>
+            </a:r>
+            <a:r>
+              <a:rPr lang="en-US" sz="1800" dirty="0">
+                <a:latin typeface="Calibri" panose="020F0502020204030204" pitchFamily="34" charset="0"/>
+                <a:ea typeface="Arial" panose="020B0604020202020204" pitchFamily="34" charset="0"/>
+                <a:cs typeface="Calibri" panose="020F0502020204030204" pitchFamily="34" charset="0"/>
+              </a:rPr>
+              <a:t> e </a:t>
+            </a:r>
+            <a:r>
+              <a:rPr lang="en-US" sz="1800" dirty="0" err="1">
+                <a:latin typeface="Calibri" panose="020F0502020204030204" pitchFamily="34" charset="0"/>
+                <a:ea typeface="Arial" panose="020B0604020202020204" pitchFamily="34" charset="0"/>
+                <a:cs typeface="Calibri" panose="020F0502020204030204" pitchFamily="34" charset="0"/>
+              </a:rPr>
+              <a:t>distribuição</a:t>
+            </a:r>
+            <a:r>
+              <a:rPr lang="en-US" sz="1800" dirty="0">
+                <a:latin typeface="Calibri" panose="020F0502020204030204" pitchFamily="34" charset="0"/>
+                <a:ea typeface="Arial" panose="020B0604020202020204" pitchFamily="34" charset="0"/>
+                <a:cs typeface="Calibri" panose="020F0502020204030204" pitchFamily="34" charset="0"/>
+              </a:rPr>
+              <a:t>  da OBM  </a:t>
+            </a:r>
+          </a:p>
+          <a:p>
+            <a:pPr>
+              <a:lnSpc>
+                <a:spcPct val="110000"/>
+              </a:lnSpc>
+            </a:pPr>
+            <a:r>
+              <a:rPr lang="en-US" sz="1800" dirty="0" err="1">
                 <a:effectLst/>
                 <a:latin typeface="Calibri" panose="020F0502020204030204" pitchFamily="34" charset="0"/>
                 <a:ea typeface="Arial" panose="020B0604020202020204" pitchFamily="34" charset="0"/>
@@ -4421,7 +4514,7 @@
                 <a:ea typeface="Arial" panose="020B0604020202020204" pitchFamily="34" charset="0"/>
                 <a:cs typeface="Calibri" panose="020F0502020204030204" pitchFamily="34" charset="0"/>
               </a:rPr>
-              <a:t> o  SIP </a:t>
+              <a:t> o  IPS </a:t>
             </a:r>
             <a:r>
               <a:rPr lang="en-US" sz="1800" dirty="0" err="1">
@@ -4805,6 +4898,579 @@
     <p:extLst>
       <p:ext uri="{BB962C8B-B14F-4D97-AF65-F5344CB8AC3E}">
         <p14:creationId xmlns:p14="http://schemas.microsoft.com/office/powerpoint/2010/main" val="3071696735"/>
+      </p:ext>
+    </p:extLst>
+  </p:cSld>
+  <p:clrMapOvr>
+    <a:masterClrMapping/>
+  </p:clrMapOvr>
+</p:sld>
+</file>
+
+<file path=ppt/slides/slide4.xml><?xml version="1.0" encoding="utf-8"?>
+<p:sld xmlns:a="http://schemas.openxmlformats.org/drawingml/2006/main" xmlns:r="http://schemas.openxmlformats.org/officeDocument/2006/relationships" xmlns:p="http://schemas.openxmlformats.org/presentationml/2006/main">
+  <p:cSld>
+    <p:spTree>
+      <p:nvGrpSpPr>
+        <p:cNvPr id="1" name=""/>
+        <p:cNvGrpSpPr/>
+        <p:nvPr/>
+      </p:nvGrpSpPr>
+      <p:grpSpPr>
+        <a:xfrm>
+          <a:off x="0" y="0"/>
+          <a:ext cx="0" cy="0"/>
+          <a:chOff x="0" y="0"/>
+          <a:chExt cx="0" cy="0"/>
+        </a:xfrm>
+      </p:grpSpPr>
+      <p:sp>
+        <p:nvSpPr>
+          <p:cNvPr id="2" name="Title 1">
+            <a:extLst>
+              <a:ext uri="{FF2B5EF4-FFF2-40B4-BE49-F238E27FC236}">
+                <a16:creationId xmlns:a16="http://schemas.microsoft.com/office/drawing/2014/main" id="{00600AF5-5A65-AD28-AD8F-33A6BB3F0DB5}"/>
+              </a:ext>
+            </a:extLst>
+          </p:cNvPr>
+          <p:cNvSpPr>
+            <a:spLocks noGrp="1"/>
+          </p:cNvSpPr>
+          <p:nvPr>
+            <p:ph type="title"/>
+          </p:nvPr>
+        </p:nvSpPr>
+        <p:spPr/>
+        <p:txBody>
+          <a:bodyPr/>
+          <a:lstStyle/>
+          <a:p>
+            <a:endParaRPr lang="en-BR"/>
+          </a:p>
+        </p:txBody>
+      </p:sp>
+      <p:sp>
+        <p:nvSpPr>
+          <p:cNvPr id="3" name="Content Placeholder 2">
+            <a:extLst>
+              <a:ext uri="{FF2B5EF4-FFF2-40B4-BE49-F238E27FC236}">
+                <a16:creationId xmlns:a16="http://schemas.microsoft.com/office/drawing/2014/main" id="{81939B01-C4DC-34AC-ED56-239651EF35DD}"/>
+              </a:ext>
+            </a:extLst>
+          </p:cNvPr>
+          <p:cNvSpPr>
+            <a:spLocks noGrp="1"/>
+          </p:cNvSpPr>
+          <p:nvPr>
+            <p:ph idx="1"/>
+          </p:nvPr>
+        </p:nvSpPr>
+        <p:spPr/>
+        <p:txBody>
+          <a:bodyPr/>
+          <a:lstStyle/>
+          <a:p>
+            <a:r>
+              <a:rPr lang="en-BR" dirty="0"/>
+              <a:t>Sand box – pacote treinamento IPS /GI BR CORE – detalhar o quê é e que não se trata de superposição</a:t>
+            </a:r>
+          </a:p>
+          <a:p>
+            <a:r>
+              <a:rPr lang="en-BR" dirty="0"/>
+              <a:t>G</a:t>
+            </a:r>
+            <a:r>
+              <a:rPr lang="en-US" dirty="0"/>
+              <a:t>u</a:t>
+            </a:r>
+            <a:r>
+              <a:rPr lang="en-BR" dirty="0"/>
+              <a:t>ia Nacional – RNDS – pdf com instruções</a:t>
+            </a:r>
+          </a:p>
+          <a:p>
+            <a:r>
+              <a:rPr lang="en-BR" dirty="0"/>
+              <a:t>APIs do serviço de terminologia – sandbox</a:t>
+            </a:r>
+          </a:p>
+          <a:p>
+            <a:r>
+              <a:rPr lang="en-US" dirty="0"/>
+              <a:t>C</a:t>
+            </a:r>
+            <a:r>
+              <a:rPr lang="en-BR" dirty="0"/>
+              <a:t>onecthaton compliant IPS Brasil 2 X ano</a:t>
+            </a:r>
+          </a:p>
+          <a:p>
+            <a:r>
+              <a:rPr lang="en-BR" dirty="0"/>
+              <a:t>Publicação</a:t>
+            </a:r>
+          </a:p>
+          <a:p>
+            <a:r>
+              <a:rPr lang="en-BR" dirty="0"/>
+              <a:t>S</a:t>
+            </a:r>
+            <a:r>
+              <a:rPr lang="en-US" dirty="0"/>
+              <a:t>u</a:t>
+            </a:r>
+            <a:r>
+              <a:rPr lang="en-BR" dirty="0"/>
+              <a:t>mário – pesquisa – desfecho clinico</a:t>
+            </a:r>
+          </a:p>
+        </p:txBody>
+      </p:sp>
+    </p:spTree>
+    <p:extLst>
+      <p:ext uri="{BB962C8B-B14F-4D97-AF65-F5344CB8AC3E}">
+        <p14:creationId xmlns:p14="http://schemas.microsoft.com/office/powerpoint/2010/main" val="3516577260"/>
+      </p:ext>
+    </p:extLst>
+  </p:cSld>
+  <p:clrMapOvr>
+    <a:masterClrMapping/>
+  </p:clrMapOvr>
+</p:sld>
+</file>
+
+<file path=ppt/slides/slide5.xml><?xml version="1.0" encoding="utf-8"?>
+<p:sld xmlns:a="http://schemas.openxmlformats.org/drawingml/2006/main" xmlns:r="http://schemas.openxmlformats.org/officeDocument/2006/relationships" xmlns:p="http://schemas.openxmlformats.org/presentationml/2006/main">
+  <p:cSld>
+    <p:spTree>
+      <p:nvGrpSpPr>
+        <p:cNvPr id="1" name=""/>
+        <p:cNvGrpSpPr/>
+        <p:nvPr/>
+      </p:nvGrpSpPr>
+      <p:grpSpPr>
+        <a:xfrm>
+          <a:off x="0" y="0"/>
+          <a:ext cx="0" cy="0"/>
+          <a:chOff x="0" y="0"/>
+          <a:chExt cx="0" cy="0"/>
+        </a:xfrm>
+      </p:grpSpPr>
+      <p:sp>
+        <p:nvSpPr>
+          <p:cNvPr id="2" name="Title 1">
+            <a:extLst>
+              <a:ext uri="{FF2B5EF4-FFF2-40B4-BE49-F238E27FC236}">
+                <a16:creationId xmlns:a16="http://schemas.microsoft.com/office/drawing/2014/main" id="{6FCCA5EE-E0D4-029F-0B2D-2C770079F9F3}"/>
+              </a:ext>
+            </a:extLst>
+          </p:cNvPr>
+          <p:cNvSpPr>
+            <a:spLocks noGrp="1"/>
+          </p:cNvSpPr>
+          <p:nvPr>
+            <p:ph type="title"/>
+          </p:nvPr>
+        </p:nvSpPr>
+        <p:spPr/>
+        <p:txBody>
+          <a:bodyPr/>
+          <a:lstStyle/>
+          <a:p>
+            <a:endParaRPr lang="en-BR"/>
+          </a:p>
+        </p:txBody>
+      </p:sp>
+      <p:sp>
+        <p:nvSpPr>
+          <p:cNvPr id="3" name="Content Placeholder 2">
+            <a:extLst>
+              <a:ext uri="{FF2B5EF4-FFF2-40B4-BE49-F238E27FC236}">
+                <a16:creationId xmlns:a16="http://schemas.microsoft.com/office/drawing/2014/main" id="{B1572849-7692-86DD-3212-8C3278ED5FE9}"/>
+              </a:ext>
+            </a:extLst>
+          </p:cNvPr>
+          <p:cNvSpPr>
+            <a:spLocks noGrp="1"/>
+          </p:cNvSpPr>
+          <p:nvPr>
+            <p:ph idx="1"/>
+          </p:nvPr>
+        </p:nvSpPr>
+        <p:spPr/>
+        <p:txBody>
+          <a:bodyPr/>
+          <a:lstStyle/>
+          <a:p>
+            <a:endParaRPr lang="en-BR"/>
+          </a:p>
+        </p:txBody>
+      </p:sp>
+      <p:pic>
+        <p:nvPicPr>
+          <p:cNvPr id="4" name="Picture 3">
+            <a:extLst>
+              <a:ext uri="{FF2B5EF4-FFF2-40B4-BE49-F238E27FC236}">
+                <a16:creationId xmlns:a16="http://schemas.microsoft.com/office/drawing/2014/main" id="{9B047ABE-3A2F-2903-294A-95E890D3AC48}"/>
+              </a:ext>
+            </a:extLst>
+          </p:cNvPr>
+          <p:cNvPicPr>
+            <a:picLocks noChangeAspect="1"/>
+          </p:cNvPicPr>
+          <p:nvPr/>
+        </p:nvPicPr>
+        <p:blipFill>
+          <a:blip r:embed="rId2"/>
+          <a:stretch>
+            <a:fillRect/>
+          </a:stretch>
+        </p:blipFill>
+        <p:spPr>
+          <a:xfrm>
+            <a:off x="-232975" y="733059"/>
+            <a:ext cx="13521710" cy="5759816"/>
+          </a:xfrm>
+          <a:prstGeom prst="rect">
+            <a:avLst/>
+          </a:prstGeom>
+        </p:spPr>
+      </p:pic>
+    </p:spTree>
+    <p:extLst>
+      <p:ext uri="{BB962C8B-B14F-4D97-AF65-F5344CB8AC3E}">
+        <p14:creationId xmlns:p14="http://schemas.microsoft.com/office/powerpoint/2010/main" val="296326360"/>
+      </p:ext>
+    </p:extLst>
+  </p:cSld>
+  <p:clrMapOvr>
+    <a:masterClrMapping/>
+  </p:clrMapOvr>
+</p:sld>
+</file>
+
+<file path=ppt/slides/slide6.xml><?xml version="1.0" encoding="utf-8"?>
+<p:sld xmlns:a="http://schemas.openxmlformats.org/drawingml/2006/main" xmlns:r="http://schemas.openxmlformats.org/officeDocument/2006/relationships" xmlns:p="http://schemas.openxmlformats.org/presentationml/2006/main">
+  <p:cSld>
+    <p:spTree>
+      <p:nvGrpSpPr>
+        <p:cNvPr id="1" name=""/>
+        <p:cNvGrpSpPr/>
+        <p:nvPr/>
+      </p:nvGrpSpPr>
+      <p:grpSpPr>
+        <a:xfrm>
+          <a:off x="0" y="0"/>
+          <a:ext cx="0" cy="0"/>
+          <a:chOff x="0" y="0"/>
+          <a:chExt cx="0" cy="0"/>
+        </a:xfrm>
+      </p:grpSpPr>
+      <p:sp>
+        <p:nvSpPr>
+          <p:cNvPr id="2" name="Title 1">
+            <a:extLst>
+              <a:ext uri="{FF2B5EF4-FFF2-40B4-BE49-F238E27FC236}">
+                <a16:creationId xmlns:a16="http://schemas.microsoft.com/office/drawing/2014/main" id="{9F67B7B6-8D04-858F-B356-7C9A1A0FB7BC}"/>
+              </a:ext>
+            </a:extLst>
+          </p:cNvPr>
+          <p:cNvSpPr>
+            <a:spLocks noGrp="1"/>
+          </p:cNvSpPr>
+          <p:nvPr>
+            <p:ph type="title"/>
+          </p:nvPr>
+        </p:nvSpPr>
+        <p:spPr/>
+        <p:txBody>
+          <a:bodyPr/>
+          <a:lstStyle/>
+          <a:p>
+            <a:endParaRPr lang="en-BR"/>
+          </a:p>
+        </p:txBody>
+      </p:sp>
+      <p:sp>
+        <p:nvSpPr>
+          <p:cNvPr id="3" name="Content Placeholder 2">
+            <a:extLst>
+              <a:ext uri="{FF2B5EF4-FFF2-40B4-BE49-F238E27FC236}">
+                <a16:creationId xmlns:a16="http://schemas.microsoft.com/office/drawing/2014/main" id="{4D809A8E-F261-884E-82CA-F22125A750C0}"/>
+              </a:ext>
+            </a:extLst>
+          </p:cNvPr>
+          <p:cNvSpPr>
+            <a:spLocks noGrp="1"/>
+          </p:cNvSpPr>
+          <p:nvPr>
+            <p:ph idx="1"/>
+          </p:nvPr>
+        </p:nvSpPr>
+        <p:spPr/>
+        <p:txBody>
+          <a:bodyPr/>
+          <a:lstStyle/>
+          <a:p>
+            <a:endParaRPr lang="en-BR"/>
+          </a:p>
+        </p:txBody>
+      </p:sp>
+      <p:pic>
+        <p:nvPicPr>
+          <p:cNvPr id="4" name="Picture 3">
+            <a:extLst>
+              <a:ext uri="{FF2B5EF4-FFF2-40B4-BE49-F238E27FC236}">
+                <a16:creationId xmlns:a16="http://schemas.microsoft.com/office/drawing/2014/main" id="{35B90CA9-45B6-5F88-3E0B-5E18C8C66677}"/>
+              </a:ext>
+            </a:extLst>
+          </p:cNvPr>
+          <p:cNvPicPr>
+            <a:picLocks noChangeAspect="1"/>
+          </p:cNvPicPr>
+          <p:nvPr/>
+        </p:nvPicPr>
+        <p:blipFill>
+          <a:blip r:embed="rId2"/>
+          <a:stretch>
+            <a:fillRect/>
+          </a:stretch>
+        </p:blipFill>
+        <p:spPr>
+          <a:xfrm>
+            <a:off x="2209800" y="1206824"/>
+            <a:ext cx="7772400" cy="4444352"/>
+          </a:xfrm>
+          <a:prstGeom prst="rect">
+            <a:avLst/>
+          </a:prstGeom>
+        </p:spPr>
+      </p:pic>
+    </p:spTree>
+    <p:extLst>
+      <p:ext uri="{BB962C8B-B14F-4D97-AF65-F5344CB8AC3E}">
+        <p14:creationId xmlns:p14="http://schemas.microsoft.com/office/powerpoint/2010/main" val="996682631"/>
+      </p:ext>
+    </p:extLst>
+  </p:cSld>
+  <p:clrMapOvr>
+    <a:masterClrMapping/>
+  </p:clrMapOvr>
+</p:sld>
+</file>
+
+<file path=ppt/slides/slide7.xml><?xml version="1.0" encoding="utf-8"?>
+<p:sld xmlns:a="http://schemas.openxmlformats.org/drawingml/2006/main" xmlns:r="http://schemas.openxmlformats.org/officeDocument/2006/relationships" xmlns:p="http://schemas.openxmlformats.org/presentationml/2006/main">
+  <p:cSld>
+    <p:spTree>
+      <p:nvGrpSpPr>
+        <p:cNvPr id="1" name=""/>
+        <p:cNvGrpSpPr/>
+        <p:nvPr/>
+      </p:nvGrpSpPr>
+      <p:grpSpPr>
+        <a:xfrm>
+          <a:off x="0" y="0"/>
+          <a:ext cx="0" cy="0"/>
+          <a:chOff x="0" y="0"/>
+          <a:chExt cx="0" cy="0"/>
+        </a:xfrm>
+      </p:grpSpPr>
+      <p:sp>
+        <p:nvSpPr>
+          <p:cNvPr id="2" name="Title 1">
+            <a:extLst>
+              <a:ext uri="{FF2B5EF4-FFF2-40B4-BE49-F238E27FC236}">
+                <a16:creationId xmlns:a16="http://schemas.microsoft.com/office/drawing/2014/main" id="{BF2B0406-73B4-D60F-DF11-B5CB5216F548}"/>
+              </a:ext>
+            </a:extLst>
+          </p:cNvPr>
+          <p:cNvSpPr>
+            <a:spLocks noGrp="1"/>
+          </p:cNvSpPr>
+          <p:nvPr>
+            <p:ph type="title"/>
+          </p:nvPr>
+        </p:nvSpPr>
+        <p:spPr/>
+        <p:txBody>
+          <a:bodyPr/>
+          <a:lstStyle/>
+          <a:p>
+            <a:endParaRPr lang="en-BR"/>
+          </a:p>
+        </p:txBody>
+      </p:sp>
+      <p:sp>
+        <p:nvSpPr>
+          <p:cNvPr id="3" name="Content Placeholder 2">
+            <a:extLst>
+              <a:ext uri="{FF2B5EF4-FFF2-40B4-BE49-F238E27FC236}">
+                <a16:creationId xmlns:a16="http://schemas.microsoft.com/office/drawing/2014/main" id="{9A059CAF-6D4E-ECD7-BB6D-67825466B266}"/>
+              </a:ext>
+            </a:extLst>
+          </p:cNvPr>
+          <p:cNvSpPr>
+            <a:spLocks noGrp="1"/>
+          </p:cNvSpPr>
+          <p:nvPr>
+            <p:ph idx="1"/>
+          </p:nvPr>
+        </p:nvSpPr>
+        <p:spPr/>
+        <p:txBody>
+          <a:bodyPr/>
+          <a:lstStyle/>
+          <a:p>
+            <a:endParaRPr lang="en-BR"/>
+          </a:p>
+        </p:txBody>
+      </p:sp>
+      <p:pic>
+        <p:nvPicPr>
+          <p:cNvPr id="4" name="Picture 3">
+            <a:extLst>
+              <a:ext uri="{FF2B5EF4-FFF2-40B4-BE49-F238E27FC236}">
+                <a16:creationId xmlns:a16="http://schemas.microsoft.com/office/drawing/2014/main" id="{CD1F49EE-6F28-8E27-CBBA-FF05DAEB12E4}"/>
+              </a:ext>
+            </a:extLst>
+          </p:cNvPr>
+          <p:cNvPicPr>
+            <a:picLocks noChangeAspect="1"/>
+          </p:cNvPicPr>
+          <p:nvPr/>
+        </p:nvPicPr>
+        <p:blipFill>
+          <a:blip r:embed="rId2"/>
+          <a:stretch>
+            <a:fillRect/>
+          </a:stretch>
+        </p:blipFill>
+        <p:spPr>
+          <a:xfrm>
+            <a:off x="2209800" y="1237755"/>
+            <a:ext cx="7772400" cy="4382489"/>
+          </a:xfrm>
+          <a:prstGeom prst="rect">
+            <a:avLst/>
+          </a:prstGeom>
+        </p:spPr>
+      </p:pic>
+    </p:spTree>
+    <p:extLst>
+      <p:ext uri="{BB962C8B-B14F-4D97-AF65-F5344CB8AC3E}">
+        <p14:creationId xmlns:p14="http://schemas.microsoft.com/office/powerpoint/2010/main" val="2966132501"/>
+      </p:ext>
+    </p:extLst>
+  </p:cSld>
+  <p:clrMapOvr>
+    <a:masterClrMapping/>
+  </p:clrMapOvr>
+</p:sld>
+</file>
+
+<file path=ppt/slides/slide8.xml><?xml version="1.0" encoding="utf-8"?>
+<p:sld xmlns:a="http://schemas.openxmlformats.org/drawingml/2006/main" xmlns:r="http://schemas.openxmlformats.org/officeDocument/2006/relationships" xmlns:p="http://schemas.openxmlformats.org/presentationml/2006/main">
+  <p:cSld>
+    <p:spTree>
+      <p:nvGrpSpPr>
+        <p:cNvPr id="1" name=""/>
+        <p:cNvGrpSpPr/>
+        <p:nvPr/>
+      </p:nvGrpSpPr>
+      <p:grpSpPr>
+        <a:xfrm>
+          <a:off x="0" y="0"/>
+          <a:ext cx="0" cy="0"/>
+          <a:chOff x="0" y="0"/>
+          <a:chExt cx="0" cy="0"/>
+        </a:xfrm>
+      </p:grpSpPr>
+      <p:sp>
+        <p:nvSpPr>
+          <p:cNvPr id="2" name="Title 1">
+            <a:extLst>
+              <a:ext uri="{FF2B5EF4-FFF2-40B4-BE49-F238E27FC236}">
+                <a16:creationId xmlns:a16="http://schemas.microsoft.com/office/drawing/2014/main" id="{7ED853CB-CF29-42EB-1A7C-50A07BF6F1C8}"/>
+              </a:ext>
+            </a:extLst>
+          </p:cNvPr>
+          <p:cNvSpPr>
+            <a:spLocks noGrp="1"/>
+          </p:cNvSpPr>
+          <p:nvPr>
+            <p:ph type="title"/>
+          </p:nvPr>
+        </p:nvSpPr>
+        <p:spPr/>
+        <p:txBody>
+          <a:bodyPr/>
+          <a:lstStyle/>
+          <a:p>
+            <a:endParaRPr lang="en-BR"/>
+          </a:p>
+        </p:txBody>
+      </p:sp>
+      <p:sp>
+        <p:nvSpPr>
+          <p:cNvPr id="3" name="Content Placeholder 2">
+            <a:extLst>
+              <a:ext uri="{FF2B5EF4-FFF2-40B4-BE49-F238E27FC236}">
+                <a16:creationId xmlns:a16="http://schemas.microsoft.com/office/drawing/2014/main" id="{FECB3287-8863-FA1C-0ADA-59C9A06C9865}"/>
+              </a:ext>
+            </a:extLst>
+          </p:cNvPr>
+          <p:cNvSpPr>
+            <a:spLocks noGrp="1"/>
+          </p:cNvSpPr>
+          <p:nvPr>
+            <p:ph idx="1"/>
+          </p:nvPr>
+        </p:nvSpPr>
+        <p:spPr/>
+        <p:txBody>
+          <a:bodyPr/>
+          <a:lstStyle/>
+          <a:p>
+            <a:endParaRPr lang="en-BR"/>
+          </a:p>
+        </p:txBody>
+      </p:sp>
+      <p:pic>
+        <p:nvPicPr>
+          <p:cNvPr id="4" name="Picture 3">
+            <a:extLst>
+              <a:ext uri="{FF2B5EF4-FFF2-40B4-BE49-F238E27FC236}">
+                <a16:creationId xmlns:a16="http://schemas.microsoft.com/office/drawing/2014/main" id="{3B37849E-64F1-FC0A-949F-5EFFFD691A66}"/>
+              </a:ext>
+            </a:extLst>
+          </p:cNvPr>
+          <p:cNvPicPr>
+            <a:picLocks noChangeAspect="1"/>
+          </p:cNvPicPr>
+          <p:nvPr/>
+        </p:nvPicPr>
+        <p:blipFill>
+          <a:blip r:embed="rId2"/>
+          <a:stretch>
+            <a:fillRect/>
+          </a:stretch>
+        </p:blipFill>
+        <p:spPr>
+          <a:xfrm>
+            <a:off x="2209800" y="1237755"/>
+            <a:ext cx="7772400" cy="4382489"/>
+          </a:xfrm>
+          <a:prstGeom prst="rect">
+            <a:avLst/>
+          </a:prstGeom>
+        </p:spPr>
+      </p:pic>
+    </p:spTree>
+    <p:extLst>
+      <p:ext uri="{BB962C8B-B14F-4D97-AF65-F5344CB8AC3E}">
+        <p14:creationId xmlns:p14="http://schemas.microsoft.com/office/powerpoint/2010/main" val="345300083"/>
       </p:ext>
     </p:extLst>
   </p:cSld>
